--- a/21 Schema Notes/Internet of Things/Module 3/Module3 PPT.pptx
+++ b/21 Schema Notes/Internet of Things/Module 3/Module3 PPT.pptx
@@ -232,7 +232,7 @@
               <a:rPr lang="en-US" smtClean="0">
                 <a:latin typeface="Futura Cyrillic Book" panose="020B0502020204020303" charset="0"/>
               </a:rPr>
-              <a:t>10/28/2024</a:t>
+              <a:t>16-Nov-24</a:t>
             </a:fld>
             <a:endParaRPr lang="en-US">
               <a:latin typeface="Futura Cyrillic Book" panose="020B0502020204020303" charset="0"/>
@@ -409,7 +409,7 @@
           <a:p>
             <a:fld id="{0ECD8AD1-49EC-45F2-A2FF-1FE3195688C5}" type="datetimeFigureOut">
               <a:rPr lang="en-IN" smtClean="0"/>
-              <a:t>28-10-2024</a:t>
+              <a:t>16-11-2024</a:t>
             </a:fld>
             <a:endParaRPr lang="en-IN"/>
           </a:p>
@@ -810,7 +810,7 @@
           <a:p>
             <a:fld id="{4EF95999-A99C-46D6-BFDA-AEFA180EA74F}" type="datetimeFigureOut">
               <a:rPr lang="en-US" smtClean="0"/>
-              <a:t>10/28/2024</a:t>
+              <a:t>16-Nov-24</a:t>
             </a:fld>
             <a:endParaRPr lang="en-US"/>
           </a:p>
@@ -973,7 +973,7 @@
           <a:p>
             <a:fld id="{4EF95999-A99C-46D6-BFDA-AEFA180EA74F}" type="datetimeFigureOut">
               <a:rPr lang="en-US" smtClean="0"/>
-              <a:t>10/28/2024</a:t>
+              <a:t>16-Nov-24</a:t>
             </a:fld>
             <a:endParaRPr lang="en-US"/>
           </a:p>
@@ -1146,7 +1146,7 @@
           <a:p>
             <a:fld id="{4EF95999-A99C-46D6-BFDA-AEFA180EA74F}" type="datetimeFigureOut">
               <a:rPr lang="en-US" smtClean="0"/>
-              <a:t>10/28/2024</a:t>
+              <a:t>16-Nov-24</a:t>
             </a:fld>
             <a:endParaRPr lang="en-US"/>
           </a:p>
@@ -1315,7 +1315,7 @@
           <a:p>
             <a:fld id="{EC281ACE-890E-4B55-88CA-A440D73ED3A3}" type="datetimeFigureOut">
               <a:rPr lang="en-US" smtClean="0"/>
-              <a:t>10/28/2024</a:t>
+              <a:t>16-Nov-24</a:t>
             </a:fld>
             <a:endParaRPr lang="en-US"/>
           </a:p>
@@ -1531,7 +1531,7 @@
           <a:p>
             <a:fld id="{36B80835-DEB3-4275-B379-2566D87801AD}" type="datetimeFigureOut">
               <a:rPr lang="en-US" smtClean="0"/>
-              <a:t>10/28/2024</a:t>
+              <a:t>16-Nov-24</a:t>
             </a:fld>
             <a:endParaRPr lang="en-US"/>
           </a:p>
@@ -1694,7 +1694,7 @@
           <a:p>
             <a:fld id="{36B80835-DEB3-4275-B379-2566D87801AD}" type="datetimeFigureOut">
               <a:rPr lang="en-US" smtClean="0"/>
-              <a:t>10/28/2024</a:t>
+              <a:t>16-Nov-24</a:t>
             </a:fld>
             <a:endParaRPr lang="en-US"/>
           </a:p>
@@ -1934,7 +1934,7 @@
           <a:p>
             <a:fld id="{36B80835-DEB3-4275-B379-2566D87801AD}" type="datetimeFigureOut">
               <a:rPr lang="en-US" smtClean="0"/>
-              <a:t>10/28/2024</a:t>
+              <a:t>16-Nov-24</a:t>
             </a:fld>
             <a:endParaRPr lang="en-US"/>
           </a:p>
@@ -2158,7 +2158,7 @@
           <a:p>
             <a:fld id="{36B80835-DEB3-4275-B379-2566D87801AD}" type="datetimeFigureOut">
               <a:rPr lang="en-US" smtClean="0"/>
-              <a:t>10/28/2024</a:t>
+              <a:t>16-Nov-24</a:t>
             </a:fld>
             <a:endParaRPr lang="en-US"/>
           </a:p>
@@ -2517,7 +2517,7 @@
           <a:p>
             <a:fld id="{36B80835-DEB3-4275-B379-2566D87801AD}" type="datetimeFigureOut">
               <a:rPr lang="en-US" smtClean="0"/>
-              <a:t>10/28/2024</a:t>
+              <a:t>16-Nov-24</a:t>
             </a:fld>
             <a:endParaRPr lang="en-US"/>
           </a:p>
@@ -2629,7 +2629,7 @@
           <a:p>
             <a:fld id="{36B80835-DEB3-4275-B379-2566D87801AD}" type="datetimeFigureOut">
               <a:rPr lang="en-US" smtClean="0"/>
-              <a:t>10/28/2024</a:t>
+              <a:t>16-Nov-24</a:t>
             </a:fld>
             <a:endParaRPr lang="en-US"/>
           </a:p>
@@ -2719,7 +2719,7 @@
           <a:p>
             <a:fld id="{36B80835-DEB3-4275-B379-2566D87801AD}" type="datetimeFigureOut">
               <a:rPr lang="en-US" smtClean="0"/>
-              <a:t>10/28/2024</a:t>
+              <a:t>16-Nov-24</a:t>
             </a:fld>
             <a:endParaRPr lang="en-US"/>
           </a:p>
@@ -2882,7 +2882,7 @@
           <a:p>
             <a:fld id="{4EF95999-A99C-46D6-BFDA-AEFA180EA74F}" type="datetimeFigureOut">
               <a:rPr lang="en-US" smtClean="0"/>
-              <a:t>10/28/2024</a:t>
+              <a:t>16-Nov-24</a:t>
             </a:fld>
             <a:endParaRPr lang="en-US"/>
           </a:p>
@@ -3152,7 +3152,7 @@
           <a:p>
             <a:fld id="{36B80835-DEB3-4275-B379-2566D87801AD}" type="datetimeFigureOut">
               <a:rPr lang="en-US" smtClean="0"/>
-              <a:t>10/28/2024</a:t>
+              <a:t>16-Nov-24</a:t>
             </a:fld>
             <a:endParaRPr lang="en-US"/>
           </a:p>
@@ -3399,7 +3399,7 @@
           <a:p>
             <a:fld id="{36B80835-DEB3-4275-B379-2566D87801AD}" type="datetimeFigureOut">
               <a:rPr lang="en-US" smtClean="0"/>
-              <a:t>10/28/2024</a:t>
+              <a:t>16-Nov-24</a:t>
             </a:fld>
             <a:endParaRPr lang="en-US"/>
           </a:p>
@@ -3562,7 +3562,7 @@
           <a:p>
             <a:fld id="{36B80835-DEB3-4275-B379-2566D87801AD}" type="datetimeFigureOut">
               <a:rPr lang="en-US" smtClean="0"/>
-              <a:t>10/28/2024</a:t>
+              <a:t>16-Nov-24</a:t>
             </a:fld>
             <a:endParaRPr lang="en-US"/>
           </a:p>
@@ -3735,7 +3735,7 @@
           <a:p>
             <a:fld id="{36B80835-DEB3-4275-B379-2566D87801AD}" type="datetimeFigureOut">
               <a:rPr lang="en-US" smtClean="0"/>
-              <a:t>10/28/2024</a:t>
+              <a:t>16-Nov-24</a:t>
             </a:fld>
             <a:endParaRPr lang="en-US"/>
           </a:p>
@@ -3920,7 +3920,7 @@
           <a:p>
             <a:fld id="{4EF95999-A99C-46D6-BFDA-AEFA180EA74F}" type="datetimeFigureOut">
               <a:rPr lang="en-US" smtClean="0"/>
-              <a:t>10/28/2024</a:t>
+              <a:t>16-Nov-24</a:t>
             </a:fld>
             <a:endParaRPr lang="en-US"/>
           </a:p>
@@ -4083,7 +4083,7 @@
           <a:p>
             <a:fld id="{4EF95999-A99C-46D6-BFDA-AEFA180EA74F}" type="datetimeFigureOut">
               <a:rPr lang="en-US" smtClean="0"/>
-              <a:t>10/28/2024</a:t>
+              <a:t>16-Nov-24</a:t>
             </a:fld>
             <a:endParaRPr lang="en-US"/>
           </a:p>
@@ -4323,7 +4323,7 @@
           <a:p>
             <a:fld id="{4EF95999-A99C-46D6-BFDA-AEFA180EA74F}" type="datetimeFigureOut">
               <a:rPr lang="en-US" smtClean="0"/>
-              <a:t>10/28/2024</a:t>
+              <a:t>16-Nov-24</a:t>
             </a:fld>
             <a:endParaRPr lang="en-US"/>
           </a:p>
@@ -4547,7 +4547,7 @@
           <a:p>
             <a:fld id="{4EF95999-A99C-46D6-BFDA-AEFA180EA74F}" type="datetimeFigureOut">
               <a:rPr lang="en-US" smtClean="0"/>
-              <a:t>10/28/2024</a:t>
+              <a:t>16-Nov-24</a:t>
             </a:fld>
             <a:endParaRPr lang="en-US"/>
           </a:p>
@@ -4906,7 +4906,7 @@
           <a:p>
             <a:fld id="{4EF95999-A99C-46D6-BFDA-AEFA180EA74F}" type="datetimeFigureOut">
               <a:rPr lang="en-US" smtClean="0"/>
-              <a:t>10/28/2024</a:t>
+              <a:t>16-Nov-24</a:t>
             </a:fld>
             <a:endParaRPr lang="en-US"/>
           </a:p>
@@ -5018,7 +5018,7 @@
           <a:p>
             <a:fld id="{4EF95999-A99C-46D6-BFDA-AEFA180EA74F}" type="datetimeFigureOut">
               <a:rPr lang="en-US" smtClean="0"/>
-              <a:t>10/28/2024</a:t>
+              <a:t>16-Nov-24</a:t>
             </a:fld>
             <a:endParaRPr lang="en-US"/>
           </a:p>
@@ -5258,7 +5258,7 @@
           <a:p>
             <a:fld id="{4EF95999-A99C-46D6-BFDA-AEFA180EA74F}" type="datetimeFigureOut">
               <a:rPr lang="en-US" smtClean="0"/>
-              <a:t>10/28/2024</a:t>
+              <a:t>16-Nov-24</a:t>
             </a:fld>
             <a:endParaRPr lang="en-US"/>
           </a:p>
@@ -5348,7 +5348,7 @@
           <a:p>
             <a:fld id="{4EF95999-A99C-46D6-BFDA-AEFA180EA74F}" type="datetimeFigureOut">
               <a:rPr lang="en-US" smtClean="0"/>
-              <a:t>10/28/2024</a:t>
+              <a:t>16-Nov-24</a:t>
             </a:fld>
             <a:endParaRPr lang="en-US"/>
           </a:p>
@@ -5618,7 +5618,7 @@
           <a:p>
             <a:fld id="{4EF95999-A99C-46D6-BFDA-AEFA180EA74F}" type="datetimeFigureOut">
               <a:rPr lang="en-US" smtClean="0"/>
-              <a:t>10/28/2024</a:t>
+              <a:t>16-Nov-24</a:t>
             </a:fld>
             <a:endParaRPr lang="en-US"/>
           </a:p>
@@ -5865,7 +5865,7 @@
           <a:p>
             <a:fld id="{4EF95999-A99C-46D6-BFDA-AEFA180EA74F}" type="datetimeFigureOut">
               <a:rPr lang="en-US" smtClean="0"/>
-              <a:t>10/28/2024</a:t>
+              <a:t>16-Nov-24</a:t>
             </a:fld>
             <a:endParaRPr lang="en-US"/>
           </a:p>
@@ -6028,7 +6028,7 @@
           <a:p>
             <a:fld id="{4EF95999-A99C-46D6-BFDA-AEFA180EA74F}" type="datetimeFigureOut">
               <a:rPr lang="en-US" smtClean="0"/>
-              <a:t>10/28/2024</a:t>
+              <a:t>16-Nov-24</a:t>
             </a:fld>
             <a:endParaRPr lang="en-US"/>
           </a:p>
@@ -6201,7 +6201,7 @@
           <a:p>
             <a:fld id="{4EF95999-A99C-46D6-BFDA-AEFA180EA74F}" type="datetimeFigureOut">
               <a:rPr lang="en-US" smtClean="0"/>
-              <a:t>10/28/2024</a:t>
+              <a:t>16-Nov-24</a:t>
             </a:fld>
             <a:endParaRPr lang="en-US"/>
           </a:p>
@@ -6370,7 +6370,7 @@
           <a:p>
             <a:fld id="{EC281ACE-890E-4B55-88CA-A440D73ED3A3}" type="datetimeFigureOut">
               <a:rPr lang="en-US" smtClean="0"/>
-              <a:t>10/28/2024</a:t>
+              <a:t>16-Nov-24</a:t>
             </a:fld>
             <a:endParaRPr lang="en-US"/>
           </a:p>
@@ -6588,7 +6588,7 @@
           <a:p>
             <a:fld id="{4EF95999-A99C-46D6-BFDA-AEFA180EA74F}" type="datetimeFigureOut">
               <a:rPr lang="en-US" smtClean="0"/>
-              <a:t>10/28/2024</a:t>
+              <a:t>16-Nov-24</a:t>
             </a:fld>
             <a:endParaRPr lang="en-US"/>
           </a:p>
@@ -6758,7 +6758,7 @@
           <a:p>
             <a:fld id="{4EF95999-A99C-46D6-BFDA-AEFA180EA74F}" type="datetimeFigureOut">
               <a:rPr lang="en-US" smtClean="0"/>
-              <a:t>10/28/2024</a:t>
+              <a:t>16-Nov-24</a:t>
             </a:fld>
             <a:endParaRPr lang="en-US"/>
           </a:p>
@@ -7004,7 +7004,7 @@
           <a:p>
             <a:fld id="{4EF95999-A99C-46D6-BFDA-AEFA180EA74F}" type="datetimeFigureOut">
               <a:rPr lang="en-US" smtClean="0"/>
-              <a:t>10/28/2024</a:t>
+              <a:t>16-Nov-24</a:t>
             </a:fld>
             <a:endParaRPr lang="en-US"/>
           </a:p>
@@ -7236,7 +7236,7 @@
           <a:p>
             <a:fld id="{4EF95999-A99C-46D6-BFDA-AEFA180EA74F}" type="datetimeFigureOut">
               <a:rPr lang="en-US" smtClean="0"/>
-              <a:t>10/28/2024</a:t>
+              <a:t>16-Nov-24</a:t>
             </a:fld>
             <a:endParaRPr lang="en-US"/>
           </a:p>
@@ -7465,7 +7465,7 @@
           <a:p>
             <a:fld id="{4EF95999-A99C-46D6-BFDA-AEFA180EA74F}" type="datetimeFigureOut">
               <a:rPr lang="en-US" smtClean="0"/>
-              <a:t>10/28/2024</a:t>
+              <a:t>16-Nov-24</a:t>
             </a:fld>
             <a:endParaRPr lang="en-US"/>
           </a:p>
@@ -7827,7 +7827,7 @@
           <a:p>
             <a:fld id="{4EF95999-A99C-46D6-BFDA-AEFA180EA74F}" type="datetimeFigureOut">
               <a:rPr lang="en-US" smtClean="0"/>
-              <a:t>10/28/2024</a:t>
+              <a:t>16-Nov-24</a:t>
             </a:fld>
             <a:endParaRPr lang="en-US"/>
           </a:p>
@@ -7945,7 +7945,7 @@
           <a:p>
             <a:fld id="{4EF95999-A99C-46D6-BFDA-AEFA180EA74F}" type="datetimeFigureOut">
               <a:rPr lang="en-US" smtClean="0"/>
-              <a:t>10/28/2024</a:t>
+              <a:t>16-Nov-24</a:t>
             </a:fld>
             <a:endParaRPr lang="en-US"/>
           </a:p>
@@ -8040,7 +8040,7 @@
           <a:p>
             <a:fld id="{4EF95999-A99C-46D6-BFDA-AEFA180EA74F}" type="datetimeFigureOut">
               <a:rPr lang="en-US" smtClean="0"/>
-              <a:t>10/28/2024</a:t>
+              <a:t>16-Nov-24</a:t>
             </a:fld>
             <a:endParaRPr lang="en-US"/>
           </a:p>
@@ -8317,7 +8317,7 @@
           <a:p>
             <a:fld id="{4EF95999-A99C-46D6-BFDA-AEFA180EA74F}" type="datetimeFigureOut">
               <a:rPr lang="en-US" smtClean="0"/>
-              <a:t>10/28/2024</a:t>
+              <a:t>16-Nov-24</a:t>
             </a:fld>
             <a:endParaRPr lang="en-US"/>
           </a:p>
@@ -8574,7 +8574,7 @@
           <a:p>
             <a:fld id="{4EF95999-A99C-46D6-BFDA-AEFA180EA74F}" type="datetimeFigureOut">
               <a:rPr lang="en-US" smtClean="0"/>
-              <a:t>10/28/2024</a:t>
+              <a:t>16-Nov-24</a:t>
             </a:fld>
             <a:endParaRPr lang="en-US"/>
           </a:p>
@@ -8744,7 +8744,7 @@
           <a:p>
             <a:fld id="{4EF95999-A99C-46D6-BFDA-AEFA180EA74F}" type="datetimeFigureOut">
               <a:rPr lang="en-US" smtClean="0"/>
-              <a:t>10/28/2024</a:t>
+              <a:t>16-Nov-24</a:t>
             </a:fld>
             <a:endParaRPr lang="en-US"/>
           </a:p>
@@ -8924,7 +8924,7 @@
           <a:p>
             <a:fld id="{4EF95999-A99C-46D6-BFDA-AEFA180EA74F}" type="datetimeFigureOut">
               <a:rPr lang="en-US" smtClean="0"/>
-              <a:t>10/28/2024</a:t>
+              <a:t>16-Nov-24</a:t>
             </a:fld>
             <a:endParaRPr lang="en-US"/>
           </a:p>
@@ -9288,7 +9288,7 @@
           <a:p>
             <a:fld id="{4EF95999-A99C-46D6-BFDA-AEFA180EA74F}" type="datetimeFigureOut">
               <a:rPr lang="en-US" smtClean="0"/>
-              <a:t>10/28/2024</a:t>
+              <a:t>16-Nov-24</a:t>
             </a:fld>
             <a:endParaRPr lang="en-US"/>
           </a:p>
@@ -9400,7 +9400,7 @@
           <a:p>
             <a:fld id="{4EF95999-A99C-46D6-BFDA-AEFA180EA74F}" type="datetimeFigureOut">
               <a:rPr lang="en-US" smtClean="0"/>
-              <a:t>10/28/2024</a:t>
+              <a:t>16-Nov-24</a:t>
             </a:fld>
             <a:endParaRPr lang="en-US"/>
           </a:p>
@@ -9490,7 +9490,7 @@
           <a:p>
             <a:fld id="{4EF95999-A99C-46D6-BFDA-AEFA180EA74F}" type="datetimeFigureOut">
               <a:rPr lang="en-US" smtClean="0"/>
-              <a:t>10/28/2024</a:t>
+              <a:t>16-Nov-24</a:t>
             </a:fld>
             <a:endParaRPr lang="en-US"/>
           </a:p>
@@ -9760,7 +9760,7 @@
           <a:p>
             <a:fld id="{4EF95999-A99C-46D6-BFDA-AEFA180EA74F}" type="datetimeFigureOut">
               <a:rPr lang="en-US" smtClean="0"/>
-              <a:t>10/28/2024</a:t>
+              <a:t>16-Nov-24</a:t>
             </a:fld>
             <a:endParaRPr lang="en-US"/>
           </a:p>
@@ -10007,7 +10007,7 @@
           <a:p>
             <a:fld id="{4EF95999-A99C-46D6-BFDA-AEFA180EA74F}" type="datetimeFigureOut">
               <a:rPr lang="en-US" smtClean="0"/>
-              <a:t>10/28/2024</a:t>
+              <a:t>16-Nov-24</a:t>
             </a:fld>
             <a:endParaRPr lang="en-US"/>
           </a:p>
@@ -10214,7 +10214,7 @@
           <a:p>
             <a:fld id="{4EF95999-A99C-46D6-BFDA-AEFA180EA74F}" type="datetimeFigureOut">
               <a:rPr lang="en-US" smtClean="0"/>
-              <a:t>10/28/2024</a:t>
+              <a:t>16-Nov-24</a:t>
             </a:fld>
             <a:endParaRPr lang="en-US"/>
           </a:p>
@@ -10751,7 +10751,7 @@
           <a:p>
             <a:fld id="{36B80835-DEB3-4275-B379-2566D87801AD}" type="datetimeFigureOut">
               <a:rPr lang="en-US" smtClean="0"/>
-              <a:t>10/28/2024</a:t>
+              <a:t>16-Nov-24</a:t>
             </a:fld>
             <a:endParaRPr lang="en-US"/>
           </a:p>
@@ -11287,7 +11287,7 @@
           <a:p>
             <a:fld id="{4EF95999-A99C-46D6-BFDA-AEFA180EA74F}" type="datetimeFigureOut">
               <a:rPr lang="en-US" smtClean="0"/>
-              <a:t>10/28/2024</a:t>
+              <a:t>16-Nov-24</a:t>
             </a:fld>
             <a:endParaRPr lang="en-US"/>
           </a:p>
@@ -11825,7 +11825,7 @@
           <a:p>
             <a:fld id="{4EF95999-A99C-46D6-BFDA-AEFA180EA74F}" type="datetimeFigureOut">
               <a:rPr lang="en-US" smtClean="0"/>
-              <a:t>10/28/2024</a:t>
+              <a:t>16-Nov-24</a:t>
             </a:fld>
             <a:endParaRPr lang="en-US"/>
           </a:p>
@@ -12839,10 +12839,18 @@
               <a:t>Processing power</a:t>
             </a:r>
             <a:r>
-              <a:rPr lang="en-US" dirty="0"/>
+              <a:rPr lang="en-US" dirty="0">
+                <a:highlight>
+                  <a:srgbClr val="FFFF00"/>
+                </a:highlight>
+              </a:rPr>
               <a:t>: As covered in earlier sections, processing power is vital (comparable to memory) in deciding what type of sensors can be accommodated with the IoT device/node, and what processing features can integrate on-site with the IoT device</a:t>
             </a:r>
-            <a:endParaRPr lang="en-IN" dirty="0"/>
+            <a:endParaRPr lang="en-IN" dirty="0">
+              <a:highlight>
+                <a:srgbClr val="FFFF00"/>
+              </a:highlight>
+            </a:endParaRPr>
           </a:p>
         </p:txBody>
       </p:sp>
@@ -12880,9 +12888,21 @@
             </a:r>
             <a:r>
               <a:rPr lang="en-US" dirty="0"/>
-              <a:t>: The input–output (I/O) rating of IoT device, primarily the processor, is the deciding factor in determining the circuit complexity, energy usage, and requirements for support of various sensing solutions and sensor types</a:t>
-            </a:r>
-            <a:endParaRPr lang="en-IN" dirty="0"/>
+              <a:t>: </a:t>
+            </a:r>
+            <a:r>
+              <a:rPr lang="en-US" dirty="0">
+                <a:highlight>
+                  <a:srgbClr val="FFFF00"/>
+                </a:highlight>
+              </a:rPr>
+              <a:t>The input–output (I/O) rating of IoT device, primarily the processor, is the deciding factor in determining the circuit complexity, energy usage, and requirements for support of various sensing solutions and sensor types</a:t>
+            </a:r>
+            <a:endParaRPr lang="en-IN" dirty="0">
+              <a:highlight>
+                <a:srgbClr val="FFFF00"/>
+              </a:highlight>
+            </a:endParaRPr>
           </a:p>
         </p:txBody>
       </p:sp>
@@ -14056,17 +14076,37 @@
             </a:r>
             <a:r>
               <a:rPr lang="en-US" dirty="0"/>
-              <a:t>: This approach is typically a hard approach, without too much decision making. It can be considered as a rule-based approach in which the data </a:t>
-            </a:r>
-            <a:r>
-              <a:rPr lang="en-US" b="1" dirty="0"/>
+              <a:t>: This approach is typically a hard approach, without too much decision making. </a:t>
+            </a:r>
+            <a:r>
+              <a:rPr lang="en-US" dirty="0">
+                <a:highlight>
+                  <a:srgbClr val="FFFF00"/>
+                </a:highlight>
+              </a:rPr>
+              <a:t>It can be considered as a rule-based approach in which the data </a:t>
+            </a:r>
+            <a:r>
+              <a:rPr lang="en-US" b="1" dirty="0">
+                <a:highlight>
+                  <a:srgbClr val="FFFF00"/>
+                </a:highlight>
+              </a:rPr>
               <a:t>from IoT devices are offloaded to the nearest location </a:t>
             </a:r>
             <a:r>
-              <a:rPr lang="en-US" dirty="0"/>
+              <a:rPr lang="en-US" dirty="0">
+                <a:highlight>
+                  <a:srgbClr val="FFFF00"/>
+                </a:highlight>
+              </a:rPr>
               <a:t>based on the achievement of certain offload criteria</a:t>
             </a:r>
-            <a:endParaRPr lang="en-IN" dirty="0"/>
+            <a:endParaRPr lang="en-IN" dirty="0">
+              <a:highlight>
+                <a:srgbClr val="FFFF00"/>
+              </a:highlight>
+            </a:endParaRPr>
           </a:p>
         </p:txBody>
       </p:sp>
@@ -15776,10 +15816,18 @@
           <a:lstStyle/>
           <a:p>
             <a:r>
-              <a:rPr lang="en-US" dirty="0"/>
+              <a:rPr lang="en-US" dirty="0">
+                <a:highlight>
+                  <a:srgbClr val="FFFF00"/>
+                </a:highlight>
+              </a:rPr>
               <a:t>Structured data are associated with relational database management systems (RDBMS). These are primarily created by using length-limited data fields such as phone numbers, social security numbers, and other such information</a:t>
             </a:r>
-            <a:endParaRPr lang="en-IN" dirty="0"/>
+            <a:endParaRPr lang="en-IN" dirty="0">
+              <a:highlight>
+                <a:srgbClr val="FFFF00"/>
+              </a:highlight>
+            </a:endParaRPr>
           </a:p>
         </p:txBody>
       </p:sp>
@@ -15812,10 +15860,18 @@
           <a:lstStyle/>
           <a:p>
             <a:r>
-              <a:rPr lang="en-US" dirty="0"/>
+              <a:rPr lang="en-US" dirty="0">
+                <a:highlight>
+                  <a:srgbClr val="FFFF00"/>
+                </a:highlight>
+              </a:rPr>
               <a:t>These data types have no pre-defined structure and can vary according to applications and data-generating sources. Some of the common examples of human-generated unstructured data include text, e-mails, videos, images</a:t>
             </a:r>
-            <a:endParaRPr lang="en-IN" dirty="0"/>
+            <a:endParaRPr lang="en-IN" dirty="0">
+              <a:highlight>
+                <a:srgbClr val="FFFF00"/>
+              </a:highlight>
+            </a:endParaRPr>
           </a:p>
         </p:txBody>
       </p:sp>
@@ -16596,7 +16652,11 @@
           </a:p>
           <a:p>
             <a:r>
-              <a:rPr lang="en-US" dirty="0"/>
+              <a:rPr lang="en-US" dirty="0">
+                <a:highlight>
+                  <a:srgbClr val="FFFF00"/>
+                </a:highlight>
+              </a:rPr>
               <a:t>As evident from the name, the on-site processing topology signifies that the data is processed at the source itself. This is crucial in applications that have a very low tolerance for latencies.</a:t>
             </a:r>
           </a:p>
@@ -16945,7 +17005,15 @@
           <a:p>
             <a:r>
               <a:rPr lang="en-US" sz="2400" dirty="0"/>
-              <a:t>The off-site processing paradigm, as opposed to the on-site processing paradigms, allows for latencies (due to processing or network latencies); it is significantly cheaper than on-site processing topologies</a:t>
+              <a:t>The off-site processing paradigm, as opposed to the on-site processing paradigms, allows for latencies (due to processing or network latencies</a:t>
+            </a:r>
+            <a:r>
+              <a:rPr lang="en-US" sz="2400" dirty="0">
+                <a:highlight>
+                  <a:srgbClr val="FFFF00"/>
+                </a:highlight>
+              </a:rPr>
+              <a:t>); it is significantly cheaper than on-site processing topologies</a:t>
             </a:r>
           </a:p>
           <a:p>
@@ -16954,9 +17022,21 @@
           <a:p>
             <a:r>
               <a:rPr lang="en-US" sz="2400" dirty="0"/>
-              <a:t>In the off-site topology, the data from these sensor nodes (data generating sources) is transmitted either to a remote location (which can either be a server or a cloud) or to multiple processing nodes</a:t>
-            </a:r>
-            <a:endParaRPr lang="en-IN" sz="2400" b="1" u="sng" dirty="0"/>
+              <a:t>In the off-site topology, the data from these sensor nodes (data generating sources) </a:t>
+            </a:r>
+            <a:r>
+              <a:rPr lang="en-US" sz="2400" dirty="0">
+                <a:highlight>
+                  <a:srgbClr val="FFFF00"/>
+                </a:highlight>
+              </a:rPr>
+              <a:t>is transmitted either to a remote location (which can either be a server or a cloud) or to multiple processing nodes</a:t>
+            </a:r>
+            <a:endParaRPr lang="en-IN" sz="2400" b="1" u="sng" dirty="0">
+              <a:highlight>
+                <a:srgbClr val="FFFF00"/>
+              </a:highlight>
+            </a:endParaRPr>
           </a:p>
         </p:txBody>
       </p:sp>
@@ -17296,9 +17376,21 @@
           <a:p>
             <a:r>
               <a:rPr lang="en-US" dirty="0"/>
-              <a:t>This is one of the most common processing topologies prevalent in present-day IoT solutions. It encompasses sensing of data by various sensor nodes; the data is then forwarded to a remote server or a cloud-based infrastructure for further processing and analytics</a:t>
-            </a:r>
-            <a:endParaRPr lang="en-IN" dirty="0"/>
+              <a:t>This is one of the most common processing topologies prevalent in present-day IoT solutions. </a:t>
+            </a:r>
+            <a:r>
+              <a:rPr lang="en-US" dirty="0">
+                <a:highlight>
+                  <a:srgbClr val="FFFF00"/>
+                </a:highlight>
+              </a:rPr>
+              <a:t>It encompasses sensing of data by various sensor nodes; the data is then forwarded to a remote server or a cloud-based infrastructure for further processing and analytics</a:t>
+            </a:r>
+            <a:endParaRPr lang="en-IN" dirty="0">
+              <a:highlight>
+                <a:srgbClr val="FFFF00"/>
+              </a:highlight>
+            </a:endParaRPr>
           </a:p>
         </p:txBody>
       </p:sp>
@@ -17668,9 +17760,33 @@
           <a:p>
             <a:r>
               <a:rPr lang="en-US" dirty="0"/>
-              <a:t>This processing topology typically finds use in scenarios with limited or no network connectivity, especially systems lacking a backbone network. Additionally, this topology can be quite economical for large-scale deployments spread over vast areas, where providing networked access to a remote infrastructure is not viable.</a:t>
-            </a:r>
-            <a:endParaRPr lang="en-IN" dirty="0"/>
+              <a:t>This processing topology typically finds use in scenarios with limited or no network connectivity, </a:t>
+            </a:r>
+            <a:r>
+              <a:rPr lang="en-US" dirty="0">
+                <a:highlight>
+                  <a:srgbClr val="FFFF00"/>
+                </a:highlight>
+              </a:rPr>
+              <a:t>especially systems lacking a backbone network</a:t>
+            </a:r>
+            <a:r>
+              <a:rPr lang="en-US" dirty="0"/>
+              <a:t>. Additionally, </a:t>
+            </a:r>
+            <a:r>
+              <a:rPr lang="en-US" dirty="0">
+                <a:highlight>
+                  <a:srgbClr val="FFFF00"/>
+                </a:highlight>
+              </a:rPr>
+              <a:t>this topology can be quite economical for large-scale deployments spread over vast areas, where providing networked access to a remote infrastructure is not viable.</a:t>
+            </a:r>
+            <a:endParaRPr lang="en-IN" dirty="0">
+              <a:highlight>
+                <a:srgbClr val="FFFF00"/>
+              </a:highlight>
+            </a:endParaRPr>
           </a:p>
         </p:txBody>
       </p:sp>
@@ -18090,9 +18206,21 @@
             </a:r>
             <a:r>
               <a:rPr lang="en-US" dirty="0"/>
-              <a:t>: This is one of the crucial factors for deciding the form factor and the energy consumption of a sensor node</a:t>
-            </a:r>
-            <a:endParaRPr lang="en-IN" dirty="0"/>
+              <a:t>: </a:t>
+            </a:r>
+            <a:r>
+              <a:rPr lang="en-US" dirty="0">
+                <a:highlight>
+                  <a:srgbClr val="FFFF00"/>
+                </a:highlight>
+              </a:rPr>
+              <a:t>This is one of the crucial factors for deciding the form factor and the energy consumption of a sensor node</a:t>
+            </a:r>
+            <a:endParaRPr lang="en-IN" dirty="0">
+              <a:highlight>
+                <a:srgbClr val="FFFF00"/>
+              </a:highlight>
+            </a:endParaRPr>
           </a:p>
         </p:txBody>
       </p:sp>
@@ -18130,7 +18258,19 @@
             </a:r>
             <a:r>
               <a:rPr lang="en-US" dirty="0"/>
-              <a:t>: The energy requirements of a processor is the most important deciding factor in designing IoT-based sensing solutions. Higher the energy requirements, higher is the energy source (battery) replacement frequency.</a:t>
+              <a:t>: </a:t>
+            </a:r>
+            <a:r>
+              <a:rPr lang="en-US" dirty="0">
+                <a:highlight>
+                  <a:srgbClr val="FFFF00"/>
+                </a:highlight>
+              </a:rPr>
+              <a:t>The energy requirements of a processor is the most important deciding factor in designing IoT-based sensing solutions. Higher the energy requirements, higher is the energy source (battery) replacement frequency</a:t>
+            </a:r>
+            <a:r>
+              <a:rPr lang="en-US" dirty="0"/>
+              <a:t>.</a:t>
             </a:r>
             <a:endParaRPr lang="en-IN" dirty="0"/>
           </a:p>
@@ -18170,7 +18310,19 @@
             </a:r>
             <a:r>
               <a:rPr lang="en-US" dirty="0"/>
-              <a:t>: The cost of a processor, besides the cost of sensors, is the driving force in deciding the density of deployment of sensor nodes for IoT-based solutions.</a:t>
+              <a:t>: </a:t>
+            </a:r>
+            <a:r>
+              <a:rPr lang="en-US" dirty="0">
+                <a:highlight>
+                  <a:srgbClr val="FFFF00"/>
+                </a:highlight>
+              </a:rPr>
+              <a:t>The cost of a processor, besides the cost of sensors, is the driving force in deciding the density of deployment of sensor nodes for IoT-based solutions</a:t>
+            </a:r>
+            <a:r>
+              <a:rPr lang="en-US" dirty="0"/>
+              <a:t>.</a:t>
             </a:r>
             <a:endParaRPr lang="en-IN" dirty="0"/>
           </a:p>
